--- a/_docs/TriviaUS-wirefram-db.pptx
+++ b/_docs/TriviaUS-wirefram-db.pptx
@@ -119,7 +119,57 @@
       </a:defRPr>
     </a:lvl9pPr>
   </p:defaultTextStyle>
+  <p:extLst>
+    <p:ext uri="{EFAFB233-063F-42B5-8137-9DF3F51BA10A}">
+      <p15:sldGuideLst xmlns:p15="http://schemas.microsoft.com/office/powerpoint/2012/main"/>
+    </p:ext>
+  </p:extLst>
 </p:presentation>
+</file>
+
+<file path=ppt/changesInfos/changesInfo1.xml><?xml version="1.0" encoding="utf-8"?>
+<pc:chgInfo xmlns:a="http://schemas.openxmlformats.org/drawingml/2006/main" xmlns:r="http://schemas.openxmlformats.org/officeDocument/2006/relationships" xmlns:ac="http://schemas.microsoft.com/office/drawing/2013/main/command" xmlns:pc="http://schemas.microsoft.com/office/powerpoint/2013/main/command">
+  <pc:docChgLst>
+    <pc:chgData name="James Ureel" userId="491d788343953ed2" providerId="LiveId" clId="{24A4869E-8FD8-4CED-BC71-E8B38D33EB5F}"/>
+    <pc:docChg chg="undo custSel modSld">
+      <pc:chgData name="James Ureel" userId="491d788343953ed2" providerId="LiveId" clId="{24A4869E-8FD8-4CED-BC71-E8B38D33EB5F}" dt="2022-03-09T22:59:02.826" v="36" actId="20577"/>
+      <pc:docMkLst>
+        <pc:docMk/>
+      </pc:docMkLst>
+      <pc:sldChg chg="modSp mod">
+        <pc:chgData name="James Ureel" userId="491d788343953ed2" providerId="LiveId" clId="{24A4869E-8FD8-4CED-BC71-E8B38D33EB5F}" dt="2022-03-09T22:59:02.826" v="36" actId="20577"/>
+        <pc:sldMkLst>
+          <pc:docMk/>
+          <pc:sldMk cId="3754608830" sldId="273"/>
+        </pc:sldMkLst>
+        <pc:spChg chg="mod">
+          <ac:chgData name="James Ureel" userId="491d788343953ed2" providerId="LiveId" clId="{24A4869E-8FD8-4CED-BC71-E8B38D33EB5F}" dt="2022-03-09T22:43:41.338" v="7" actId="20577"/>
+          <ac:spMkLst>
+            <pc:docMk/>
+            <pc:sldMk cId="3754608830" sldId="273"/>
+            <ac:spMk id="6" creationId="{B0757173-9BBF-4E45-9605-DEF78C5B2E4B}"/>
+          </ac:spMkLst>
+        </pc:spChg>
+        <pc:spChg chg="mod">
+          <ac:chgData name="James Ureel" userId="491d788343953ed2" providerId="LiveId" clId="{24A4869E-8FD8-4CED-BC71-E8B38D33EB5F}" dt="2022-03-09T22:59:02.826" v="36" actId="20577"/>
+          <ac:spMkLst>
+            <pc:docMk/>
+            <pc:sldMk cId="3754608830" sldId="273"/>
+            <ac:spMk id="9" creationId="{FD495FF7-7DA7-41EC-880B-78A50D0DDFB4}"/>
+          </ac:spMkLst>
+        </pc:spChg>
+        <pc:spChg chg="mod">
+          <ac:chgData name="James Ureel" userId="491d788343953ed2" providerId="LiveId" clId="{24A4869E-8FD8-4CED-BC71-E8B38D33EB5F}" dt="2022-03-09T22:55:51.865" v="22" actId="20577"/>
+          <ac:spMkLst>
+            <pc:docMk/>
+            <pc:sldMk cId="3754608830" sldId="273"/>
+            <ac:spMk id="12" creationId="{5C36F7FB-3A4C-41A4-92CC-851DA358ECBC}"/>
+          </ac:spMkLst>
+        </pc:spChg>
+      </pc:sldChg>
+    </pc:docChg>
+  </pc:docChgLst>
+</pc:chgInfo>
 </file>
 
 <file path=ppt/slideLayouts/slideLayout1.xml><?xml version="1.0" encoding="utf-8"?>
@@ -269,7 +319,7 @@
           <a:p>
             <a:fld id="{DC797311-7C63-485A-A71D-04006194B272}" type="datetimeFigureOut">
               <a:rPr lang="en-US" smtClean="0"/>
-              <a:t>3/7/2022</a:t>
+              <a:t>3/9/2022</a:t>
             </a:fld>
             <a:endParaRPr lang="en-US"/>
           </a:p>
@@ -467,7 +517,7 @@
           <a:p>
             <a:fld id="{DC797311-7C63-485A-A71D-04006194B272}" type="datetimeFigureOut">
               <a:rPr lang="en-US" smtClean="0"/>
-              <a:t>3/7/2022</a:t>
+              <a:t>3/9/2022</a:t>
             </a:fld>
             <a:endParaRPr lang="en-US"/>
           </a:p>
@@ -675,7 +725,7 @@
           <a:p>
             <a:fld id="{DC797311-7C63-485A-A71D-04006194B272}" type="datetimeFigureOut">
               <a:rPr lang="en-US" smtClean="0"/>
-              <a:t>3/7/2022</a:t>
+              <a:t>3/9/2022</a:t>
             </a:fld>
             <a:endParaRPr lang="en-US"/>
           </a:p>
@@ -873,7 +923,7 @@
           <a:p>
             <a:fld id="{DC797311-7C63-485A-A71D-04006194B272}" type="datetimeFigureOut">
               <a:rPr lang="en-US" smtClean="0"/>
-              <a:t>3/7/2022</a:t>
+              <a:t>3/9/2022</a:t>
             </a:fld>
             <a:endParaRPr lang="en-US"/>
           </a:p>
@@ -1148,7 +1198,7 @@
           <a:p>
             <a:fld id="{DC797311-7C63-485A-A71D-04006194B272}" type="datetimeFigureOut">
               <a:rPr lang="en-US" smtClean="0"/>
-              <a:t>3/7/2022</a:t>
+              <a:t>3/9/2022</a:t>
             </a:fld>
             <a:endParaRPr lang="en-US"/>
           </a:p>
@@ -1413,7 +1463,7 @@
           <a:p>
             <a:fld id="{DC797311-7C63-485A-A71D-04006194B272}" type="datetimeFigureOut">
               <a:rPr lang="en-US" smtClean="0"/>
-              <a:t>3/7/2022</a:t>
+              <a:t>3/9/2022</a:t>
             </a:fld>
             <a:endParaRPr lang="en-US"/>
           </a:p>
@@ -1825,7 +1875,7 @@
           <a:p>
             <a:fld id="{DC797311-7C63-485A-A71D-04006194B272}" type="datetimeFigureOut">
               <a:rPr lang="en-US" smtClean="0"/>
-              <a:t>3/7/2022</a:t>
+              <a:t>3/9/2022</a:t>
             </a:fld>
             <a:endParaRPr lang="en-US"/>
           </a:p>
@@ -1966,7 +2016,7 @@
           <a:p>
             <a:fld id="{DC797311-7C63-485A-A71D-04006194B272}" type="datetimeFigureOut">
               <a:rPr lang="en-US" smtClean="0"/>
-              <a:t>3/7/2022</a:t>
+              <a:t>3/9/2022</a:t>
             </a:fld>
             <a:endParaRPr lang="en-US"/>
           </a:p>
@@ -2079,7 +2129,7 @@
           <a:p>
             <a:fld id="{DC797311-7C63-485A-A71D-04006194B272}" type="datetimeFigureOut">
               <a:rPr lang="en-US" smtClean="0"/>
-              <a:t>3/7/2022</a:t>
+              <a:t>3/9/2022</a:t>
             </a:fld>
             <a:endParaRPr lang="en-US"/>
           </a:p>
@@ -2390,7 +2440,7 @@
           <a:p>
             <a:fld id="{DC797311-7C63-485A-A71D-04006194B272}" type="datetimeFigureOut">
               <a:rPr lang="en-US" smtClean="0"/>
-              <a:t>3/7/2022</a:t>
+              <a:t>3/9/2022</a:t>
             </a:fld>
             <a:endParaRPr lang="en-US"/>
           </a:p>
@@ -2678,7 +2728,7 @@
           <a:p>
             <a:fld id="{DC797311-7C63-485A-A71D-04006194B272}" type="datetimeFigureOut">
               <a:rPr lang="en-US" smtClean="0"/>
-              <a:t>3/7/2022</a:t>
+              <a:t>3/9/2022</a:t>
             </a:fld>
             <a:endParaRPr lang="en-US"/>
           </a:p>
@@ -2919,7 +2969,7 @@
           <a:p>
             <a:fld id="{DC797311-7C63-485A-A71D-04006194B272}" type="datetimeFigureOut">
               <a:rPr lang="en-US" smtClean="0"/>
-              <a:t>3/7/2022</a:t>
+              <a:t>3/9/2022</a:t>
             </a:fld>
             <a:endParaRPr lang="en-US"/>
           </a:p>
@@ -7560,7 +7610,7 @@
             <a:pPr algn="ctr"/>
             <a:r>
               <a:rPr lang="en-US" dirty="0"/>
-              <a:t>Guest</a:t>
+              <a:t>Player</a:t>
             </a:r>
           </a:p>
         </p:txBody>
@@ -7664,7 +7714,7 @@
         <p:spPr>
           <a:xfrm>
             <a:off x="2792083" y="2110597"/>
-            <a:ext cx="1085554" cy="2031325"/>
+            <a:ext cx="1259447" cy="2031325"/>
           </a:xfrm>
           <a:prstGeom prst="rect">
             <a:avLst/>
@@ -7709,8 +7759,8 @@
           </a:p>
           <a:p>
             <a:r>
-              <a:rPr lang="en-US" dirty="0" err="1"/>
-              <a:t>Qnumber</a:t>
+              <a:rPr lang="en-US"/>
+              <a:t>room_code</a:t>
             </a:r>
             <a:endParaRPr lang="en-US" dirty="0"/>
           </a:p>
@@ -7886,9 +7936,10 @@
           </a:p>
           <a:p>
             <a:r>
-              <a:rPr lang="en-US" dirty="0"/>
-              <a:t>nickname</a:t>
-            </a:r>
+              <a:rPr lang="en-US" dirty="0" err="1"/>
+              <a:t>screen_name</a:t>
+            </a:r>
+            <a:endParaRPr lang="en-US" dirty="0"/>
           </a:p>
           <a:p>
             <a:r>

--- a/_docs/TriviaUS-wirefram-db.pptx
+++ b/_docs/TriviaUS-wirefram-db.pptx
@@ -127,8 +127,55 @@
 </p:presentation>
 </file>
 
+<file path=ppt/revisionInfo.xml><?xml version="1.0" encoding="utf-8"?>
+<p1510:revInfo xmlns:a="http://schemas.openxmlformats.org/drawingml/2006/main" xmlns:r="http://schemas.openxmlformats.org/officeDocument/2006/relationships" xmlns:p1510="http://schemas.microsoft.com/office/powerpoint/2015/10/main">
+  <p1510:revLst>
+    <p1510:client id="{8649583A-9C29-407A-9F37-11FDDD2157F3}" v="2" dt="2022-03-16T23:50:25.469"/>
+  </p1510:revLst>
+</p1510:revInfo>
+</file>
+
 <file path=ppt/changesInfos/changesInfo1.xml><?xml version="1.0" encoding="utf-8"?>
 <pc:chgInfo xmlns:a="http://schemas.openxmlformats.org/drawingml/2006/main" xmlns:r="http://schemas.openxmlformats.org/officeDocument/2006/relationships" xmlns:ac="http://schemas.microsoft.com/office/drawing/2013/main/command" xmlns:pc="http://schemas.microsoft.com/office/powerpoint/2013/main/command">
+  <pc:docChgLst>
+    <pc:chgData name="James Ureel" userId="491d788343953ed2" providerId="LiveId" clId="{8649583A-9C29-407A-9F37-11FDDD2157F3}"/>
+    <pc:docChg chg="custSel modSld">
+      <pc:chgData name="James Ureel" userId="491d788343953ed2" providerId="LiveId" clId="{8649583A-9C29-407A-9F37-11FDDD2157F3}" dt="2022-03-16T23:52:08.305" v="3" actId="478"/>
+      <pc:docMkLst>
+        <pc:docMk/>
+      </pc:docMkLst>
+      <pc:sldChg chg="addSp delSp mod">
+        <pc:chgData name="James Ureel" userId="491d788343953ed2" providerId="LiveId" clId="{8649583A-9C29-407A-9F37-11FDDD2157F3}" dt="2022-03-16T23:52:08.305" v="3" actId="478"/>
+        <pc:sldMkLst>
+          <pc:docMk/>
+          <pc:sldMk cId="3478218163" sldId="262"/>
+        </pc:sldMkLst>
+        <pc:picChg chg="add del">
+          <ac:chgData name="James Ureel" userId="491d788343953ed2" providerId="LiveId" clId="{8649583A-9C29-407A-9F37-11FDDD2157F3}" dt="2022-03-16T23:52:08.305" v="3" actId="478"/>
+          <ac:picMkLst>
+            <pc:docMk/>
+            <pc:sldMk cId="3478218163" sldId="262"/>
+            <ac:picMk id="3" creationId="{9FA26230-6BB0-44B3-B640-5043E8DB6464}"/>
+          </ac:picMkLst>
+        </pc:picChg>
+      </pc:sldChg>
+      <pc:sldChg chg="addSp delSp mod">
+        <pc:chgData name="James Ureel" userId="491d788343953ed2" providerId="LiveId" clId="{8649583A-9C29-407A-9F37-11FDDD2157F3}" dt="2022-03-16T23:50:05.700" v="1" actId="478"/>
+        <pc:sldMkLst>
+          <pc:docMk/>
+          <pc:sldMk cId="2531995807" sldId="265"/>
+        </pc:sldMkLst>
+        <pc:picChg chg="add del">
+          <ac:chgData name="James Ureel" userId="491d788343953ed2" providerId="LiveId" clId="{8649583A-9C29-407A-9F37-11FDDD2157F3}" dt="2022-03-16T23:50:05.700" v="1" actId="478"/>
+          <ac:picMkLst>
+            <pc:docMk/>
+            <pc:sldMk cId="2531995807" sldId="265"/>
+            <ac:picMk id="2" creationId="{15945CDE-1610-44BF-A2F0-32A2AB67C3A5}"/>
+          </ac:picMkLst>
+        </pc:picChg>
+      </pc:sldChg>
+    </pc:docChg>
+  </pc:docChgLst>
   <pc:docChgLst>
     <pc:chgData name="James Ureel" userId="491d788343953ed2" providerId="LiveId" clId="{24A4869E-8FD8-4CED-BC71-E8B38D33EB5F}"/>
     <pc:docChg chg="undo custSel modSld">
@@ -319,7 +366,7 @@
           <a:p>
             <a:fld id="{DC797311-7C63-485A-A71D-04006194B272}" type="datetimeFigureOut">
               <a:rPr lang="en-US" smtClean="0"/>
-              <a:t>3/9/2022</a:t>
+              <a:t>3/16/2022</a:t>
             </a:fld>
             <a:endParaRPr lang="en-US"/>
           </a:p>
@@ -517,7 +564,7 @@
           <a:p>
             <a:fld id="{DC797311-7C63-485A-A71D-04006194B272}" type="datetimeFigureOut">
               <a:rPr lang="en-US" smtClean="0"/>
-              <a:t>3/9/2022</a:t>
+              <a:t>3/16/2022</a:t>
             </a:fld>
             <a:endParaRPr lang="en-US"/>
           </a:p>
@@ -725,7 +772,7 @@
           <a:p>
             <a:fld id="{DC797311-7C63-485A-A71D-04006194B272}" type="datetimeFigureOut">
               <a:rPr lang="en-US" smtClean="0"/>
-              <a:t>3/9/2022</a:t>
+              <a:t>3/16/2022</a:t>
             </a:fld>
             <a:endParaRPr lang="en-US"/>
           </a:p>
@@ -923,7 +970,7 @@
           <a:p>
             <a:fld id="{DC797311-7C63-485A-A71D-04006194B272}" type="datetimeFigureOut">
               <a:rPr lang="en-US" smtClean="0"/>
-              <a:t>3/9/2022</a:t>
+              <a:t>3/16/2022</a:t>
             </a:fld>
             <a:endParaRPr lang="en-US"/>
           </a:p>
@@ -1198,7 +1245,7 @@
           <a:p>
             <a:fld id="{DC797311-7C63-485A-A71D-04006194B272}" type="datetimeFigureOut">
               <a:rPr lang="en-US" smtClean="0"/>
-              <a:t>3/9/2022</a:t>
+              <a:t>3/16/2022</a:t>
             </a:fld>
             <a:endParaRPr lang="en-US"/>
           </a:p>
@@ -1463,7 +1510,7 @@
           <a:p>
             <a:fld id="{DC797311-7C63-485A-A71D-04006194B272}" type="datetimeFigureOut">
               <a:rPr lang="en-US" smtClean="0"/>
-              <a:t>3/9/2022</a:t>
+              <a:t>3/16/2022</a:t>
             </a:fld>
             <a:endParaRPr lang="en-US"/>
           </a:p>
@@ -1875,7 +1922,7 @@
           <a:p>
             <a:fld id="{DC797311-7C63-485A-A71D-04006194B272}" type="datetimeFigureOut">
               <a:rPr lang="en-US" smtClean="0"/>
-              <a:t>3/9/2022</a:t>
+              <a:t>3/16/2022</a:t>
             </a:fld>
             <a:endParaRPr lang="en-US"/>
           </a:p>
@@ -2016,7 +2063,7 @@
           <a:p>
             <a:fld id="{DC797311-7C63-485A-A71D-04006194B272}" type="datetimeFigureOut">
               <a:rPr lang="en-US" smtClean="0"/>
-              <a:t>3/9/2022</a:t>
+              <a:t>3/16/2022</a:t>
             </a:fld>
             <a:endParaRPr lang="en-US"/>
           </a:p>
@@ -2129,7 +2176,7 @@
           <a:p>
             <a:fld id="{DC797311-7C63-485A-A71D-04006194B272}" type="datetimeFigureOut">
               <a:rPr lang="en-US" smtClean="0"/>
-              <a:t>3/9/2022</a:t>
+              <a:t>3/16/2022</a:t>
             </a:fld>
             <a:endParaRPr lang="en-US"/>
           </a:p>
@@ -2440,7 +2487,7 @@
           <a:p>
             <a:fld id="{DC797311-7C63-485A-A71D-04006194B272}" type="datetimeFigureOut">
               <a:rPr lang="en-US" smtClean="0"/>
-              <a:t>3/9/2022</a:t>
+              <a:t>3/16/2022</a:t>
             </a:fld>
             <a:endParaRPr lang="en-US"/>
           </a:p>
@@ -2728,7 +2775,7 @@
           <a:p>
             <a:fld id="{DC797311-7C63-485A-A71D-04006194B272}" type="datetimeFigureOut">
               <a:rPr lang="en-US" smtClean="0"/>
-              <a:t>3/9/2022</a:t>
+              <a:t>3/16/2022</a:t>
             </a:fld>
             <a:endParaRPr lang="en-US"/>
           </a:p>
@@ -2969,7 +3016,7 @@
           <a:p>
             <a:fld id="{DC797311-7C63-485A-A71D-04006194B272}" type="datetimeFigureOut">
               <a:rPr lang="en-US" smtClean="0"/>
-              <a:t>3/9/2022</a:t>
+              <a:t>3/16/2022</a:t>
             </a:fld>
             <a:endParaRPr lang="en-US"/>
           </a:p>
